--- a/OS-SWE 233/slides/ch3.pptx
+++ b/OS-SWE 233/slides/ch3.pptx
@@ -476,6 +476,11 @@
         </p:txBody>
       </p:sp>
     </p:spTree>
+    <p:extLst>
+      <p:ext uri="{BB962C8B-B14F-4D97-AF65-F5344CB8AC3E}">
+        <p14:creationId xmlns:p14="http://schemas.microsoft.com/office/powerpoint/2010/main" val="1"/>
+      </p:ext>
+    </p:extLst>
   </p:cSld>
   <p:clrMap bg1="lt1" tx1="dk1" bg2="lt2" tx2="dk2" accent1="accent1" accent2="accent2" accent3="accent3" accent4="accent4" accent5="accent5" accent6="accent6" hlink="hlink" folHlink="folHlink"/>
 </p:handoutMaster>
@@ -626,7 +631,7 @@
             </a:extLst>
           </p:cNvPr>
           <p:cNvSpPr>
-            <a:spLocks noChangeArrowheads="1" noTextEdit="1"/>
+            <a:spLocks noGrp="1" noRot="1" noChangeAspect="1" noChangeArrowheads="1" noTextEdit="1"/>
           </p:cNvSpPr>
           <p:nvPr>
             <p:ph type="sldImg" idx="2"/>
@@ -1001,7 +1006,7 @@
             </a:extLst>
           </p:cNvPr>
           <p:cNvSpPr>
-            <a:spLocks noChangeArrowheads="1" noTextEdit="1"/>
+            <a:spLocks noGrp="1" noRot="1" noChangeAspect="1" noChangeArrowheads="1" noTextEdit="1"/>
           </p:cNvSpPr>
           <p:nvPr>
             <p:ph type="sldImg"/>
@@ -1095,7 +1100,7 @@
             </a:extLst>
           </p:cNvPr>
           <p:cNvSpPr>
-            <a:spLocks noChangeArrowheads="1" noTextEdit="1"/>
+            <a:spLocks noGrp="1" noRot="1" noChangeAspect="1" noChangeArrowheads="1" noTextEdit="1"/>
           </p:cNvSpPr>
           <p:nvPr>
             <p:ph type="sldImg"/>
@@ -1189,7 +1194,7 @@
             </a:extLst>
           </p:cNvPr>
           <p:cNvSpPr>
-            <a:spLocks noChangeArrowheads="1" noTextEdit="1"/>
+            <a:spLocks noGrp="1" noRot="1" noChangeAspect="1" noChangeArrowheads="1" noTextEdit="1"/>
           </p:cNvSpPr>
           <p:nvPr>
             <p:ph type="sldImg"/>
@@ -1283,7 +1288,7 @@
             </a:extLst>
           </p:cNvPr>
           <p:cNvSpPr>
-            <a:spLocks noChangeArrowheads="1" noTextEdit="1"/>
+            <a:spLocks noGrp="1" noRot="1" noChangeAspect="1" noChangeArrowheads="1" noTextEdit="1"/>
           </p:cNvSpPr>
           <p:nvPr>
             <p:ph type="sldImg"/>
@@ -1377,7 +1382,7 @@
             </a:extLst>
           </p:cNvPr>
           <p:cNvSpPr>
-            <a:spLocks noChangeArrowheads="1" noTextEdit="1"/>
+            <a:spLocks noGrp="1" noRot="1" noChangeAspect="1" noChangeArrowheads="1" noTextEdit="1"/>
           </p:cNvSpPr>
           <p:nvPr>
             <p:ph type="sldImg"/>
@@ -1471,7 +1476,7 @@
             </a:extLst>
           </p:cNvPr>
           <p:cNvSpPr>
-            <a:spLocks noChangeArrowheads="1" noTextEdit="1"/>
+            <a:spLocks noGrp="1" noRot="1" noChangeAspect="1" noChangeArrowheads="1" noTextEdit="1"/>
           </p:cNvSpPr>
           <p:nvPr>
             <p:ph type="sldImg"/>
@@ -1565,7 +1570,7 @@
             </a:extLst>
           </p:cNvPr>
           <p:cNvSpPr>
-            <a:spLocks noChangeArrowheads="1" noTextEdit="1"/>
+            <a:spLocks noGrp="1" noRot="1" noChangeAspect="1" noChangeArrowheads="1" noTextEdit="1"/>
           </p:cNvSpPr>
           <p:nvPr>
             <p:ph type="sldImg"/>
@@ -1659,7 +1664,7 @@
             </a:extLst>
           </p:cNvPr>
           <p:cNvSpPr>
-            <a:spLocks noChangeArrowheads="1" noTextEdit="1"/>
+            <a:spLocks noGrp="1" noRot="1" noChangeAspect="1" noChangeArrowheads="1" noTextEdit="1"/>
           </p:cNvSpPr>
           <p:nvPr>
             <p:ph type="sldImg"/>
@@ -1753,7 +1758,7 @@
             </a:extLst>
           </p:cNvPr>
           <p:cNvSpPr>
-            <a:spLocks noChangeArrowheads="1" noTextEdit="1"/>
+            <a:spLocks noGrp="1" noRot="1" noChangeAspect="1" noChangeArrowheads="1" noTextEdit="1"/>
           </p:cNvSpPr>
           <p:nvPr>
             <p:ph type="sldImg"/>
@@ -1847,7 +1852,7 @@
             </a:extLst>
           </p:cNvPr>
           <p:cNvSpPr>
-            <a:spLocks noChangeArrowheads="1" noTextEdit="1"/>
+            <a:spLocks noGrp="1" noRot="1" noChangeAspect="1" noChangeArrowheads="1" noTextEdit="1"/>
           </p:cNvSpPr>
           <p:nvPr>
             <p:ph type="sldImg"/>
@@ -1941,7 +1946,7 @@
             </a:extLst>
           </p:cNvPr>
           <p:cNvSpPr>
-            <a:spLocks noChangeArrowheads="1" noTextEdit="1"/>
+            <a:spLocks noGrp="1" noRot="1" noChangeAspect="1" noChangeArrowheads="1" noTextEdit="1"/>
           </p:cNvSpPr>
           <p:nvPr>
             <p:ph type="sldImg"/>
@@ -2035,7 +2040,7 @@
             </a:extLst>
           </p:cNvPr>
           <p:cNvSpPr>
-            <a:spLocks noChangeArrowheads="1" noTextEdit="1"/>
+            <a:spLocks noGrp="1" noRot="1" noChangeAspect="1" noChangeArrowheads="1" noTextEdit="1"/>
           </p:cNvSpPr>
           <p:nvPr>
             <p:ph type="sldImg"/>
@@ -2129,7 +2134,7 @@
             </a:extLst>
           </p:cNvPr>
           <p:cNvSpPr>
-            <a:spLocks noChangeArrowheads="1" noTextEdit="1"/>
+            <a:spLocks noGrp="1" noRot="1" noChangeAspect="1" noChangeArrowheads="1" noTextEdit="1"/>
           </p:cNvSpPr>
           <p:nvPr>
             <p:ph type="sldImg"/>
@@ -2223,7 +2228,7 @@
             </a:extLst>
           </p:cNvPr>
           <p:cNvSpPr>
-            <a:spLocks noChangeArrowheads="1" noTextEdit="1"/>
+            <a:spLocks noGrp="1" noRot="1" noChangeAspect="1" noChangeArrowheads="1" noTextEdit="1"/>
           </p:cNvSpPr>
           <p:nvPr>
             <p:ph type="sldImg"/>
@@ -2317,7 +2322,7 @@
             </a:extLst>
           </p:cNvPr>
           <p:cNvSpPr>
-            <a:spLocks noChangeArrowheads="1" noTextEdit="1"/>
+            <a:spLocks noGrp="1" noRot="1" noChangeAspect="1" noChangeArrowheads="1" noTextEdit="1"/>
           </p:cNvSpPr>
           <p:nvPr>
             <p:ph type="sldImg"/>
@@ -2411,7 +2416,7 @@
             </a:extLst>
           </p:cNvPr>
           <p:cNvSpPr>
-            <a:spLocks noChangeArrowheads="1" noTextEdit="1"/>
+            <a:spLocks noGrp="1" noRot="1" noChangeAspect="1" noChangeArrowheads="1" noTextEdit="1"/>
           </p:cNvSpPr>
           <p:nvPr>
             <p:ph type="sldImg"/>
@@ -2505,7 +2510,7 @@
             </a:extLst>
           </p:cNvPr>
           <p:cNvSpPr>
-            <a:spLocks noChangeArrowheads="1" noTextEdit="1"/>
+            <a:spLocks noGrp="1" noRot="1" noChangeAspect="1" noChangeArrowheads="1" noTextEdit="1"/>
           </p:cNvSpPr>
           <p:nvPr>
             <p:ph type="sldImg"/>
@@ -2599,7 +2604,7 @@
             </a:extLst>
           </p:cNvPr>
           <p:cNvSpPr>
-            <a:spLocks noChangeArrowheads="1" noTextEdit="1"/>
+            <a:spLocks noGrp="1" noRot="1" noChangeAspect="1" noChangeArrowheads="1" noTextEdit="1"/>
           </p:cNvSpPr>
           <p:nvPr>
             <p:ph type="sldImg"/>
@@ -2693,7 +2698,7 @@
             </a:extLst>
           </p:cNvPr>
           <p:cNvSpPr>
-            <a:spLocks noChangeArrowheads="1" noTextEdit="1"/>
+            <a:spLocks noGrp="1" noRot="1" noChangeAspect="1" noChangeArrowheads="1" noTextEdit="1"/>
           </p:cNvSpPr>
           <p:nvPr>
             <p:ph type="sldImg"/>
@@ -2787,7 +2792,7 @@
             </a:extLst>
           </p:cNvPr>
           <p:cNvSpPr>
-            <a:spLocks noChangeArrowheads="1" noTextEdit="1"/>
+            <a:spLocks noGrp="1" noRot="1" noChangeAspect="1" noChangeArrowheads="1" noTextEdit="1"/>
           </p:cNvSpPr>
           <p:nvPr>
             <p:ph type="sldImg"/>
@@ -2881,7 +2886,7 @@
             </a:extLst>
           </p:cNvPr>
           <p:cNvSpPr>
-            <a:spLocks noChangeArrowheads="1" noTextEdit="1"/>
+            <a:spLocks noGrp="1" noRot="1" noChangeAspect="1" noChangeArrowheads="1" noTextEdit="1"/>
           </p:cNvSpPr>
           <p:nvPr>
             <p:ph type="sldImg"/>
@@ -2975,7 +2980,7 @@
             </a:extLst>
           </p:cNvPr>
           <p:cNvSpPr>
-            <a:spLocks noChangeArrowheads="1" noTextEdit="1"/>
+            <a:spLocks noGrp="1" noRot="1" noChangeAspect="1" noChangeArrowheads="1" noTextEdit="1"/>
           </p:cNvSpPr>
           <p:nvPr>
             <p:ph type="sldImg"/>
@@ -3069,7 +3074,7 @@
             </a:extLst>
           </p:cNvPr>
           <p:cNvSpPr>
-            <a:spLocks noChangeArrowheads="1" noTextEdit="1"/>
+            <a:spLocks noGrp="1" noRot="1" noChangeAspect="1" noChangeArrowheads="1" noTextEdit="1"/>
           </p:cNvSpPr>
           <p:nvPr>
             <p:ph type="sldImg"/>
@@ -3163,7 +3168,7 @@
             </a:extLst>
           </p:cNvPr>
           <p:cNvSpPr>
-            <a:spLocks noChangeArrowheads="1" noTextEdit="1"/>
+            <a:spLocks noGrp="1" noRot="1" noChangeAspect="1" noChangeArrowheads="1" noTextEdit="1"/>
           </p:cNvSpPr>
           <p:nvPr>
             <p:ph type="sldImg"/>
@@ -3257,7 +3262,7 @@
             </a:extLst>
           </p:cNvPr>
           <p:cNvSpPr>
-            <a:spLocks noChangeArrowheads="1" noTextEdit="1"/>
+            <a:spLocks noGrp="1" noRot="1" noChangeAspect="1" noChangeArrowheads="1" noTextEdit="1"/>
           </p:cNvSpPr>
           <p:nvPr>
             <p:ph type="sldImg"/>
@@ -3351,7 +3356,7 @@
             </a:extLst>
           </p:cNvPr>
           <p:cNvSpPr>
-            <a:spLocks noChangeArrowheads="1" noTextEdit="1"/>
+            <a:spLocks noGrp="1" noRot="1" noChangeAspect="1" noChangeArrowheads="1" noTextEdit="1"/>
           </p:cNvSpPr>
           <p:nvPr>
             <p:ph type="sldImg"/>
@@ -3445,7 +3450,7 @@
             </a:extLst>
           </p:cNvPr>
           <p:cNvSpPr>
-            <a:spLocks noChangeArrowheads="1" noTextEdit="1"/>
+            <a:spLocks noGrp="1" noRot="1" noChangeAspect="1" noChangeArrowheads="1" noTextEdit="1"/>
           </p:cNvSpPr>
           <p:nvPr>
             <p:ph type="sldImg"/>
@@ -3539,7 +3544,7 @@
             </a:extLst>
           </p:cNvPr>
           <p:cNvSpPr>
-            <a:spLocks noChangeArrowheads="1" noTextEdit="1"/>
+            <a:spLocks noGrp="1" noRot="1" noChangeAspect="1" noChangeArrowheads="1" noTextEdit="1"/>
           </p:cNvSpPr>
           <p:nvPr>
             <p:ph type="sldImg"/>
@@ -3633,7 +3638,7 @@
             </a:extLst>
           </p:cNvPr>
           <p:cNvSpPr>
-            <a:spLocks noChangeArrowheads="1" noTextEdit="1"/>
+            <a:spLocks noGrp="1" noRot="1" noChangeAspect="1" noChangeArrowheads="1" noTextEdit="1"/>
           </p:cNvSpPr>
           <p:nvPr>
             <p:ph type="sldImg"/>
@@ -3727,7 +3732,7 @@
             </a:extLst>
           </p:cNvPr>
           <p:cNvSpPr>
-            <a:spLocks noChangeArrowheads="1" noTextEdit="1"/>
+            <a:spLocks noGrp="1" noRot="1" noChangeAspect="1" noChangeArrowheads="1" noTextEdit="1"/>
           </p:cNvSpPr>
           <p:nvPr>
             <p:ph type="sldImg"/>
@@ -3821,7 +3826,7 @@
             </a:extLst>
           </p:cNvPr>
           <p:cNvSpPr>
-            <a:spLocks noChangeArrowheads="1" noTextEdit="1"/>
+            <a:spLocks noGrp="1" noRot="1" noChangeAspect="1" noChangeArrowheads="1" noTextEdit="1"/>
           </p:cNvSpPr>
           <p:nvPr>
             <p:ph type="sldImg"/>
@@ -3915,7 +3920,7 @@
             </a:extLst>
           </p:cNvPr>
           <p:cNvSpPr>
-            <a:spLocks noChangeArrowheads="1" noTextEdit="1"/>
+            <a:spLocks noGrp="1" noRot="1" noChangeAspect="1" noChangeArrowheads="1" noTextEdit="1"/>
           </p:cNvSpPr>
           <p:nvPr>
             <p:ph type="sldImg"/>
@@ -4009,7 +4014,7 @@
             </a:extLst>
           </p:cNvPr>
           <p:cNvSpPr>
-            <a:spLocks noChangeArrowheads="1" noTextEdit="1"/>
+            <a:spLocks noGrp="1" noRot="1" noChangeAspect="1" noChangeArrowheads="1" noTextEdit="1"/>
           </p:cNvSpPr>
           <p:nvPr>
             <p:ph type="sldImg"/>
@@ -4103,7 +4108,7 @@
             </a:extLst>
           </p:cNvPr>
           <p:cNvSpPr>
-            <a:spLocks noChangeArrowheads="1" noTextEdit="1"/>
+            <a:spLocks noGrp="1" noRot="1" noChangeAspect="1" noChangeArrowheads="1" noTextEdit="1"/>
           </p:cNvSpPr>
           <p:nvPr>
             <p:ph type="sldImg"/>
@@ -4197,7 +4202,7 @@
             </a:extLst>
           </p:cNvPr>
           <p:cNvSpPr>
-            <a:spLocks noChangeArrowheads="1" noTextEdit="1"/>
+            <a:spLocks noGrp="1" noRot="1" noChangeAspect="1" noChangeArrowheads="1" noTextEdit="1"/>
           </p:cNvSpPr>
           <p:nvPr>
             <p:ph type="sldImg"/>
@@ -4291,7 +4296,7 @@
             </a:extLst>
           </p:cNvPr>
           <p:cNvSpPr>
-            <a:spLocks noChangeArrowheads="1" noTextEdit="1"/>
+            <a:spLocks noGrp="1" noRot="1" noChangeAspect="1" noChangeArrowheads="1" noTextEdit="1"/>
           </p:cNvSpPr>
           <p:nvPr>
             <p:ph type="sldImg"/>
@@ -4385,7 +4390,7 @@
             </a:extLst>
           </p:cNvPr>
           <p:cNvSpPr>
-            <a:spLocks noChangeArrowheads="1" noTextEdit="1"/>
+            <a:spLocks noGrp="1" noRot="1" noChangeAspect="1" noChangeArrowheads="1" noTextEdit="1"/>
           </p:cNvSpPr>
           <p:nvPr>
             <p:ph type="sldImg"/>
@@ -4479,7 +4484,7 @@
             </a:extLst>
           </p:cNvPr>
           <p:cNvSpPr>
-            <a:spLocks noChangeArrowheads="1" noTextEdit="1"/>
+            <a:spLocks noGrp="1" noRot="1" noChangeAspect="1" noChangeArrowheads="1" noTextEdit="1"/>
           </p:cNvSpPr>
           <p:nvPr>
             <p:ph type="sldImg"/>
@@ -4573,7 +4578,7 @@
             </a:extLst>
           </p:cNvPr>
           <p:cNvSpPr>
-            <a:spLocks noChangeArrowheads="1" noTextEdit="1"/>
+            <a:spLocks noGrp="1" noRot="1" noChangeAspect="1" noChangeArrowheads="1" noTextEdit="1"/>
           </p:cNvSpPr>
           <p:nvPr>
             <p:ph type="sldImg"/>
@@ -4667,7 +4672,7 @@
             </a:extLst>
           </p:cNvPr>
           <p:cNvSpPr>
-            <a:spLocks noChangeArrowheads="1" noTextEdit="1"/>
+            <a:spLocks noGrp="1" noRot="1" noChangeAspect="1" noChangeArrowheads="1" noTextEdit="1"/>
           </p:cNvSpPr>
           <p:nvPr>
             <p:ph type="sldImg"/>
@@ -4761,7 +4766,7 @@
             </a:extLst>
           </p:cNvPr>
           <p:cNvSpPr>
-            <a:spLocks noChangeArrowheads="1" noTextEdit="1"/>
+            <a:spLocks noGrp="1" noRot="1" noChangeAspect="1" noChangeArrowheads="1" noTextEdit="1"/>
           </p:cNvSpPr>
           <p:nvPr>
             <p:ph type="sldImg"/>
@@ -4855,7 +4860,7 @@
             </a:extLst>
           </p:cNvPr>
           <p:cNvSpPr>
-            <a:spLocks noChangeArrowheads="1" noTextEdit="1"/>
+            <a:spLocks noGrp="1" noRot="1" noChangeAspect="1" noChangeArrowheads="1" noTextEdit="1"/>
           </p:cNvSpPr>
           <p:nvPr>
             <p:ph type="sldImg"/>
@@ -4949,7 +4954,7 @@
             </a:extLst>
           </p:cNvPr>
           <p:cNvSpPr>
-            <a:spLocks noChangeArrowheads="1" noTextEdit="1"/>
+            <a:spLocks noGrp="1" noRot="1" noChangeAspect="1" noChangeArrowheads="1" noTextEdit="1"/>
           </p:cNvSpPr>
           <p:nvPr>
             <p:ph type="sldImg"/>
@@ -5043,7 +5048,7 @@
             </a:extLst>
           </p:cNvPr>
           <p:cNvSpPr>
-            <a:spLocks noChangeArrowheads="1" noTextEdit="1"/>
+            <a:spLocks noGrp="1" noRot="1" noChangeAspect="1" noChangeArrowheads="1" noTextEdit="1"/>
           </p:cNvSpPr>
           <p:nvPr>
             <p:ph type="sldImg"/>
@@ -5137,7 +5142,7 @@
             </a:extLst>
           </p:cNvPr>
           <p:cNvSpPr>
-            <a:spLocks noChangeArrowheads="1" noTextEdit="1"/>
+            <a:spLocks noGrp="1" noRot="1" noChangeAspect="1" noChangeArrowheads="1" noTextEdit="1"/>
           </p:cNvSpPr>
           <p:nvPr>
             <p:ph type="sldImg"/>
@@ -5231,7 +5236,7 @@
             </a:extLst>
           </p:cNvPr>
           <p:cNvSpPr>
-            <a:spLocks noChangeArrowheads="1" noTextEdit="1"/>
+            <a:spLocks noGrp="1" noRot="1" noChangeAspect="1" noChangeArrowheads="1" noTextEdit="1"/>
           </p:cNvSpPr>
           <p:nvPr>
             <p:ph type="sldImg"/>
@@ -5325,7 +5330,7 @@
             </a:extLst>
           </p:cNvPr>
           <p:cNvSpPr>
-            <a:spLocks noChangeArrowheads="1" noTextEdit="1"/>
+            <a:spLocks noGrp="1" noRot="1" noChangeAspect="1" noChangeArrowheads="1" noTextEdit="1"/>
           </p:cNvSpPr>
           <p:nvPr>
             <p:ph type="sldImg"/>
@@ -5419,7 +5424,7 @@
             </a:extLst>
           </p:cNvPr>
           <p:cNvSpPr>
-            <a:spLocks noChangeArrowheads="1" noTextEdit="1"/>
+            <a:spLocks noGrp="1" noRot="1" noChangeAspect="1" noChangeArrowheads="1" noTextEdit="1"/>
           </p:cNvSpPr>
           <p:nvPr>
             <p:ph type="sldImg"/>
@@ -5513,7 +5518,7 @@
             </a:extLst>
           </p:cNvPr>
           <p:cNvSpPr>
-            <a:spLocks noChangeArrowheads="1" noTextEdit="1"/>
+            <a:spLocks noGrp="1" noRot="1" noChangeAspect="1" noChangeArrowheads="1" noTextEdit="1"/>
           </p:cNvSpPr>
           <p:nvPr>
             <p:ph type="sldImg"/>
@@ -5607,7 +5612,7 @@
             </a:extLst>
           </p:cNvPr>
           <p:cNvSpPr>
-            <a:spLocks noChangeArrowheads="1" noTextEdit="1"/>
+            <a:spLocks noGrp="1" noRot="1" noChangeAspect="1" noChangeArrowheads="1" noTextEdit="1"/>
           </p:cNvSpPr>
           <p:nvPr>
             <p:ph type="sldImg"/>
@@ -5701,7 +5706,7 @@
             </a:extLst>
           </p:cNvPr>
           <p:cNvSpPr>
-            <a:spLocks noChangeArrowheads="1" noTextEdit="1"/>
+            <a:spLocks noGrp="1" noRot="1" noChangeAspect="1" noChangeArrowheads="1" noTextEdit="1"/>
           </p:cNvSpPr>
           <p:nvPr>
             <p:ph type="sldImg"/>
@@ -5795,7 +5800,7 @@
             </a:extLst>
           </p:cNvPr>
           <p:cNvSpPr>
-            <a:spLocks noChangeArrowheads="1" noTextEdit="1"/>
+            <a:spLocks noGrp="1" noRot="1" noChangeAspect="1" noChangeArrowheads="1" noTextEdit="1"/>
           </p:cNvSpPr>
           <p:nvPr>
             <p:ph type="sldImg"/>
@@ -5889,7 +5894,7 @@
             </a:extLst>
           </p:cNvPr>
           <p:cNvSpPr>
-            <a:spLocks noChangeArrowheads="1" noTextEdit="1"/>
+            <a:spLocks noGrp="1" noRot="1" noChangeAspect="1" noChangeArrowheads="1" noTextEdit="1"/>
           </p:cNvSpPr>
           <p:nvPr>
             <p:ph type="sldImg"/>
@@ -5983,7 +5988,7 @@
             </a:extLst>
           </p:cNvPr>
           <p:cNvSpPr>
-            <a:spLocks noChangeArrowheads="1" noTextEdit="1"/>
+            <a:spLocks noGrp="1" noRot="1" noChangeAspect="1" noChangeArrowheads="1" noTextEdit="1"/>
           </p:cNvSpPr>
           <p:nvPr>
             <p:ph type="sldImg"/>
@@ -6077,7 +6082,7 @@
             </a:extLst>
           </p:cNvPr>
           <p:cNvSpPr>
-            <a:spLocks noChangeArrowheads="1" noTextEdit="1"/>
+            <a:spLocks noGrp="1" noRot="1" noChangeAspect="1" noChangeArrowheads="1" noTextEdit="1"/>
           </p:cNvSpPr>
           <p:nvPr>
             <p:ph type="sldImg"/>
@@ -6171,7 +6176,7 @@
             </a:extLst>
           </p:cNvPr>
           <p:cNvSpPr>
-            <a:spLocks noChangeArrowheads="1" noTextEdit="1"/>
+            <a:spLocks noGrp="1" noRot="1" noChangeAspect="1" noChangeArrowheads="1" noTextEdit="1"/>
           </p:cNvSpPr>
           <p:nvPr>
             <p:ph type="sldImg"/>
@@ -6265,7 +6270,7 @@
             </a:extLst>
           </p:cNvPr>
           <p:cNvSpPr>
-            <a:spLocks noChangeArrowheads="1" noTextEdit="1"/>
+            <a:spLocks noGrp="1" noRot="1" noChangeAspect="1" noChangeArrowheads="1" noTextEdit="1"/>
           </p:cNvSpPr>
           <p:nvPr>
             <p:ph type="sldImg"/>
